--- a/images/GameEngineFlowChart.pptx
+++ b/images/GameEngineFlowChart.pptx
@@ -105,6 +105,14 @@
     </a:lvl9pPr>
   </p:defaultTextStyle>
 </p:presentation>
+</file>
+
+<file path=ppt/revisionInfo.xml><?xml version="1.0" encoding="utf-8"?>
+<p1510:revInfo xmlns:a="http://schemas.openxmlformats.org/drawingml/2006/main" xmlns:r="http://schemas.openxmlformats.org/officeDocument/2006/relationships" xmlns:p1510="http://schemas.microsoft.com/office/powerpoint/2015/10/main">
+  <p1510:revLst>
+    <p1510:client id="{C5FA557F-98EC-CB43-A8E6-DDEB42C3B6F4}" v="4" dt="2019-02-04T07:26:41.507"/>
+  </p1510:revLst>
+</p1510:revInfo>
 </file>
 
 <file path=ppt/slideLayouts/slideLayout1.xml><?xml version="1.0" encoding="utf-8"?>
@@ -3321,564 +3329,637 @@
           <a:chExt cx="0" cy="0"/>
         </a:xfrm>
       </p:grpSpPr>
-      <p:sp>
-        <p:nvSpPr>
-          <p:cNvPr id="4" name="Rounded Rectangle 3">
-            <a:extLst>
-              <a:ext uri="{FF2B5EF4-FFF2-40B4-BE49-F238E27FC236}">
-                <a16:creationId xmlns:a16="http://schemas.microsoft.com/office/drawing/2014/main" id="{45E99215-33C1-B043-9B10-DC55DD3C189B}"/>
-              </a:ext>
-            </a:extLst>
-          </p:cNvPr>
-          <p:cNvSpPr/>
+      <p:grpSp>
+        <p:nvGrpSpPr>
+          <p:cNvPr id="32" name="Group 31">
+            <a:extLst>
+              <a:ext uri="{FF2B5EF4-FFF2-40B4-BE49-F238E27FC236}">
+                <a16:creationId xmlns:a16="http://schemas.microsoft.com/office/drawing/2014/main" id="{2C45B7AA-9825-324C-B690-37857144B5C3}"/>
+              </a:ext>
+            </a:extLst>
+          </p:cNvPr>
+          <p:cNvGrpSpPr/>
           <p:nvPr/>
-        </p:nvSpPr>
-        <p:spPr>
+        </p:nvGrpSpPr>
+        <p:grpSpPr>
           <a:xfrm>
-            <a:off x="3235568" y="3811675"/>
-            <a:ext cx="1175657" cy="1155561"/>
+            <a:off x="2989828" y="1326382"/>
+            <a:ext cx="3672229" cy="3788229"/>
+            <a:chOff x="2989828" y="1326382"/>
+            <a:chExt cx="3672229" cy="3788229"/>
           </a:xfrm>
-          <a:prstGeom prst="roundRect">
-            <a:avLst/>
-          </a:prstGeom>
-          <a:solidFill>
-            <a:schemeClr val="accent6">
-              <a:lumMod val="60000"/>
-              <a:lumOff val="40000"/>
-            </a:schemeClr>
-          </a:solidFill>
-        </p:spPr>
-        <p:style>
-          <a:lnRef idx="2">
-            <a:schemeClr val="accent1">
-              <a:shade val="50000"/>
-            </a:schemeClr>
-          </a:lnRef>
-          <a:fillRef idx="1">
-            <a:schemeClr val="accent1"/>
-          </a:fillRef>
-          <a:effectRef idx="0">
-            <a:schemeClr val="accent1"/>
-          </a:effectRef>
-          <a:fontRef idx="minor">
-            <a:schemeClr val="lt1"/>
-          </a:fontRef>
-        </p:style>
-        <p:txBody>
-          <a:bodyPr rtlCol="0" anchor="ctr"/>
-          <a:lstStyle/>
-          <a:p>
-            <a:pPr algn="ctr"/>
-            <a:r>
-              <a:rPr lang="en-US" sz="2200" b="1" dirty="0">
-                <a:solidFill>
-                  <a:schemeClr val="tx1"/>
-                </a:solidFill>
-                <a:latin typeface="Myriad Pro" panose="020B0503030403020204" pitchFamily="34" charset="0"/>
-              </a:rPr>
-              <a:t>Game Engine</a:t>
-            </a:r>
-          </a:p>
-        </p:txBody>
-      </p:sp>
-      <p:sp>
-        <p:nvSpPr>
-          <p:cNvPr id="5" name="Rounded Rectangle 4">
-            <a:extLst>
-              <a:ext uri="{FF2B5EF4-FFF2-40B4-BE49-F238E27FC236}">
-                <a16:creationId xmlns:a16="http://schemas.microsoft.com/office/drawing/2014/main" id="{5FD864B6-6939-C042-B263-1C54BDA98D9B}"/>
-              </a:ext>
-            </a:extLst>
-          </p:cNvPr>
-          <p:cNvSpPr/>
-          <p:nvPr/>
-        </p:nvSpPr>
-        <p:spPr>
-          <a:xfrm>
-            <a:off x="5347399" y="2656114"/>
-            <a:ext cx="1175657" cy="1155561"/>
-          </a:xfrm>
-          <a:prstGeom prst="roundRect">
-            <a:avLst/>
-          </a:prstGeom>
-          <a:solidFill>
-            <a:schemeClr val="accent4">
-              <a:lumMod val="60000"/>
-              <a:lumOff val="40000"/>
-            </a:schemeClr>
-          </a:solidFill>
-        </p:spPr>
-        <p:style>
-          <a:lnRef idx="2">
-            <a:schemeClr val="accent1">
-              <a:shade val="50000"/>
-            </a:schemeClr>
-          </a:lnRef>
-          <a:fillRef idx="1">
-            <a:schemeClr val="accent1"/>
-          </a:fillRef>
-          <a:effectRef idx="0">
-            <a:schemeClr val="accent1"/>
-          </a:effectRef>
-          <a:fontRef idx="minor">
-            <a:schemeClr val="lt1"/>
-          </a:fontRef>
-        </p:style>
-        <p:txBody>
-          <a:bodyPr rtlCol="0" anchor="ctr"/>
-          <a:lstStyle/>
-          <a:p>
-            <a:pPr algn="ctr"/>
-            <a:r>
-              <a:rPr lang="en-US" sz="2200" b="1" dirty="0">
-                <a:solidFill>
-                  <a:schemeClr val="tx1"/>
-                </a:solidFill>
-                <a:latin typeface="Myriad Pro" panose="020B0503030403020204" pitchFamily="34" charset="0"/>
-              </a:rPr>
-              <a:t>Player Bot</a:t>
-            </a:r>
-          </a:p>
-        </p:txBody>
-      </p:sp>
-      <p:sp>
-        <p:nvSpPr>
-          <p:cNvPr id="6" name="Rounded Rectangle 5">
-            <a:extLst>
-              <a:ext uri="{FF2B5EF4-FFF2-40B4-BE49-F238E27FC236}">
-                <a16:creationId xmlns:a16="http://schemas.microsoft.com/office/drawing/2014/main" id="{9EC1B4A9-BE0C-104A-AE9F-69ADD2541FA0}"/>
-              </a:ext>
-            </a:extLst>
-          </p:cNvPr>
-          <p:cNvSpPr/>
-          <p:nvPr/>
-        </p:nvSpPr>
-        <p:spPr>
-          <a:xfrm>
-            <a:off x="3235569" y="1500553"/>
-            <a:ext cx="1175657" cy="1155561"/>
-          </a:xfrm>
-          <a:prstGeom prst="roundRect">
-            <a:avLst/>
-          </a:prstGeom>
-          <a:solidFill>
-            <a:schemeClr val="accent2">
-              <a:lumMod val="60000"/>
-              <a:lumOff val="40000"/>
-            </a:schemeClr>
-          </a:solidFill>
-        </p:spPr>
-        <p:style>
-          <a:lnRef idx="2">
-            <a:schemeClr val="accent1">
-              <a:shade val="50000"/>
-            </a:schemeClr>
-          </a:lnRef>
-          <a:fillRef idx="1">
-            <a:schemeClr val="accent1"/>
-          </a:fillRef>
-          <a:effectRef idx="0">
-            <a:schemeClr val="accent1"/>
-          </a:effectRef>
-          <a:fontRef idx="minor">
-            <a:schemeClr val="lt1"/>
-          </a:fontRef>
-        </p:style>
-        <p:txBody>
-          <a:bodyPr rtlCol="0" anchor="ctr"/>
-          <a:lstStyle/>
-          <a:p>
-            <a:pPr algn="ctr"/>
-            <a:r>
-              <a:rPr lang="en-US" sz="2200" b="1" dirty="0">
-                <a:solidFill>
-                  <a:schemeClr val="tx1"/>
-                </a:solidFill>
-                <a:latin typeface="Myriad Pro" panose="020B0503030403020204" pitchFamily="34" charset="0"/>
-              </a:rPr>
-              <a:t>Rules Engine</a:t>
-            </a:r>
-          </a:p>
-        </p:txBody>
-      </p:sp>
-      <p:cxnSp>
-        <p:nvCxnSpPr>
-          <p:cNvPr id="8" name="Straight Arrow Connector 7">
-            <a:extLst>
-              <a:ext uri="{FF2B5EF4-FFF2-40B4-BE49-F238E27FC236}">
-                <a16:creationId xmlns:a16="http://schemas.microsoft.com/office/drawing/2014/main" id="{E774FC8C-61A2-D749-BB8E-29D201937A3A}"/>
-              </a:ext>
-            </a:extLst>
-          </p:cNvPr>
-          <p:cNvCxnSpPr>
-            <a:cxnSpLocks/>
-          </p:cNvCxnSpPr>
-          <p:nvPr/>
-        </p:nvCxnSpPr>
-        <p:spPr>
-          <a:xfrm flipV="1">
-            <a:off x="3923877" y="2656114"/>
-            <a:ext cx="1" cy="1155561"/>
-          </a:xfrm>
-          <a:prstGeom prst="straightConnector1">
-            <a:avLst/>
-          </a:prstGeom>
-          <a:ln w="76200">
-            <a:headEnd type="none" w="med" len="med"/>
-            <a:tailEnd type="triangle" w="med" len="med"/>
-          </a:ln>
-        </p:spPr>
-        <p:style>
-          <a:lnRef idx="1">
-            <a:schemeClr val="accent1"/>
-          </a:lnRef>
-          <a:fillRef idx="0">
-            <a:schemeClr val="accent1"/>
-          </a:fillRef>
-          <a:effectRef idx="0">
-            <a:schemeClr val="accent1"/>
-          </a:effectRef>
-          <a:fontRef idx="minor">
-            <a:schemeClr val="tx1"/>
-          </a:fontRef>
-        </p:style>
-      </p:cxnSp>
-      <p:cxnSp>
-        <p:nvCxnSpPr>
-          <p:cNvPr id="11" name="Straight Arrow Connector 10">
-            <a:extLst>
-              <a:ext uri="{FF2B5EF4-FFF2-40B4-BE49-F238E27FC236}">
-                <a16:creationId xmlns:a16="http://schemas.microsoft.com/office/drawing/2014/main" id="{CE9073F8-ADC0-D542-B88A-1C8121B8A96C}"/>
-              </a:ext>
-            </a:extLst>
-          </p:cNvPr>
-          <p:cNvCxnSpPr>
-            <a:cxnSpLocks/>
-          </p:cNvCxnSpPr>
-          <p:nvPr/>
-        </p:nvCxnSpPr>
-        <p:spPr>
-          <a:xfrm flipV="1">
-            <a:off x="4411225" y="3644207"/>
-            <a:ext cx="936174" cy="620487"/>
-          </a:xfrm>
-          <a:prstGeom prst="straightConnector1">
-            <a:avLst/>
-          </a:prstGeom>
-          <a:ln w="76200">
-            <a:headEnd type="none" w="med" len="med"/>
-            <a:tailEnd type="triangle" w="med" len="med"/>
-          </a:ln>
-        </p:spPr>
-        <p:style>
-          <a:lnRef idx="1">
-            <a:schemeClr val="accent1"/>
-          </a:lnRef>
-          <a:fillRef idx="0">
-            <a:schemeClr val="accent1"/>
-          </a:fillRef>
-          <a:effectRef idx="0">
-            <a:schemeClr val="accent1"/>
-          </a:effectRef>
-          <a:fontRef idx="minor">
-            <a:schemeClr val="tx1"/>
-          </a:fontRef>
-        </p:style>
-      </p:cxnSp>
-      <p:cxnSp>
-        <p:nvCxnSpPr>
-          <p:cNvPr id="16" name="Straight Arrow Connector 15">
-            <a:extLst>
-              <a:ext uri="{FF2B5EF4-FFF2-40B4-BE49-F238E27FC236}">
-                <a16:creationId xmlns:a16="http://schemas.microsoft.com/office/drawing/2014/main" id="{DD42E8BA-6B5A-534A-99F1-863C7E286598}"/>
-              </a:ext>
-            </a:extLst>
-          </p:cNvPr>
-          <p:cNvCxnSpPr>
-            <a:cxnSpLocks/>
-            <a:stCxn id="6" idx="3"/>
-          </p:cNvCxnSpPr>
-          <p:nvPr/>
-        </p:nvCxnSpPr>
-        <p:spPr>
-          <a:xfrm>
-            <a:off x="4411226" y="2078334"/>
-            <a:ext cx="936173" cy="620486"/>
-          </a:xfrm>
-          <a:prstGeom prst="straightConnector1">
-            <a:avLst/>
-          </a:prstGeom>
-          <a:ln w="76200">
-            <a:headEnd type="none" w="med" len="med"/>
-            <a:tailEnd type="triangle" w="med" len="med"/>
-          </a:ln>
-        </p:spPr>
-        <p:style>
-          <a:lnRef idx="1">
-            <a:schemeClr val="accent1"/>
-          </a:lnRef>
-          <a:fillRef idx="0">
-            <a:schemeClr val="accent1"/>
-          </a:fillRef>
-          <a:effectRef idx="0">
-            <a:schemeClr val="accent1"/>
-          </a:effectRef>
-          <a:fontRef idx="minor">
-            <a:schemeClr val="tx1"/>
-          </a:fontRef>
-        </p:style>
-      </p:cxnSp>
-      <p:cxnSp>
-        <p:nvCxnSpPr>
-          <p:cNvPr id="20" name="Straight Arrow Connector 19">
-            <a:extLst>
-              <a:ext uri="{FF2B5EF4-FFF2-40B4-BE49-F238E27FC236}">
-                <a16:creationId xmlns:a16="http://schemas.microsoft.com/office/drawing/2014/main" id="{07FE5A4F-F21B-1C4B-B8C5-5A17B78021D5}"/>
-              </a:ext>
-            </a:extLst>
-          </p:cNvPr>
-          <p:cNvCxnSpPr>
-            <a:cxnSpLocks/>
-          </p:cNvCxnSpPr>
-          <p:nvPr/>
-        </p:nvCxnSpPr>
-        <p:spPr>
-          <a:xfrm flipV="1">
-            <a:off x="4391964" y="3889544"/>
-            <a:ext cx="936174" cy="620487"/>
-          </a:xfrm>
-          <a:prstGeom prst="straightConnector1">
-            <a:avLst/>
-          </a:prstGeom>
-          <a:ln w="76200">
+        </p:grpSpPr>
+        <p:sp>
+          <p:nvSpPr>
+            <p:cNvPr id="31" name="Rectangle 30">
+              <a:extLst>
+                <a:ext uri="{FF2B5EF4-FFF2-40B4-BE49-F238E27FC236}">
+                  <a16:creationId xmlns:a16="http://schemas.microsoft.com/office/drawing/2014/main" id="{607D14D3-1C06-9545-AFD7-33A36833F507}"/>
+                </a:ext>
+              </a:extLst>
+            </p:cNvPr>
+            <p:cNvSpPr/>
+            <p:nvPr/>
+          </p:nvSpPr>
+          <p:spPr>
+            <a:xfrm>
+              <a:off x="2989828" y="1326382"/>
+              <a:ext cx="3672229" cy="3788229"/>
+            </a:xfrm>
+            <a:prstGeom prst="rect">
+              <a:avLst/>
+            </a:prstGeom>
             <a:solidFill>
+              <a:schemeClr val="bg1"/>
+            </a:solidFill>
+            <a:ln>
+              <a:noFill/>
+            </a:ln>
+          </p:spPr>
+          <p:style>
+            <a:lnRef idx="2">
+              <a:schemeClr val="accent1">
+                <a:shade val="50000"/>
+              </a:schemeClr>
+            </a:lnRef>
+            <a:fillRef idx="1">
               <a:schemeClr val="accent1"/>
+            </a:fillRef>
+            <a:effectRef idx="0">
+              <a:schemeClr val="accent1"/>
+            </a:effectRef>
+            <a:fontRef idx="minor">
+              <a:schemeClr val="lt1"/>
+            </a:fontRef>
+          </p:style>
+          <p:txBody>
+            <a:bodyPr rtlCol="0" anchor="ctr"/>
+            <a:lstStyle/>
+            <a:p>
+              <a:pPr algn="ctr"/>
+              <a:endParaRPr lang="en-US"/>
+            </a:p>
+          </p:txBody>
+        </p:sp>
+        <p:sp>
+          <p:nvSpPr>
+            <p:cNvPr id="4" name="Rounded Rectangle 3">
+              <a:extLst>
+                <a:ext uri="{FF2B5EF4-FFF2-40B4-BE49-F238E27FC236}">
+                  <a16:creationId xmlns:a16="http://schemas.microsoft.com/office/drawing/2014/main" id="{45E99215-33C1-B043-9B10-DC55DD3C189B}"/>
+                </a:ext>
+              </a:extLst>
+            </p:cNvPr>
+            <p:cNvSpPr/>
+            <p:nvPr/>
+          </p:nvSpPr>
+          <p:spPr>
+            <a:xfrm>
+              <a:off x="3235568" y="3811675"/>
+              <a:ext cx="1175657" cy="1155561"/>
+            </a:xfrm>
+            <a:prstGeom prst="roundRect">
+              <a:avLst/>
+            </a:prstGeom>
+            <a:solidFill>
+              <a:schemeClr val="accent6">
+                <a:lumMod val="60000"/>
+                <a:lumOff val="40000"/>
+              </a:schemeClr>
             </a:solidFill>
-            <a:headEnd type="triangle" w="med" len="med"/>
-            <a:tailEnd type="none" w="med" len="med"/>
-          </a:ln>
-        </p:spPr>
-        <p:style>
-          <a:lnRef idx="1">
-            <a:schemeClr val="accent1"/>
-          </a:lnRef>
-          <a:fillRef idx="0">
-            <a:schemeClr val="accent1"/>
-          </a:fillRef>
-          <a:effectRef idx="0">
-            <a:schemeClr val="accent1"/>
-          </a:effectRef>
-          <a:fontRef idx="minor">
-            <a:schemeClr val="tx1"/>
-          </a:fontRef>
-        </p:style>
-      </p:cxnSp>
-      <p:sp>
-        <p:nvSpPr>
-          <p:cNvPr id="21" name="TextBox 20">
-            <a:extLst>
-              <a:ext uri="{FF2B5EF4-FFF2-40B4-BE49-F238E27FC236}">
-                <a16:creationId xmlns:a16="http://schemas.microsoft.com/office/drawing/2014/main" id="{806D4C88-5EA8-CC46-AEDF-4487269E2552}"/>
-              </a:ext>
-            </a:extLst>
-          </p:cNvPr>
-          <p:cNvSpPr txBox="1"/>
-          <p:nvPr/>
-        </p:nvSpPr>
-        <p:spPr>
-          <a:xfrm>
-            <a:off x="4735693" y="1977402"/>
-            <a:ext cx="990977" cy="307777"/>
-          </a:xfrm>
-          <a:prstGeom prst="rect">
-            <a:avLst/>
-          </a:prstGeom>
-          <a:noFill/>
-        </p:spPr>
-        <p:txBody>
-          <a:bodyPr wrap="none" rtlCol="0">
-            <a:spAutoFit/>
-          </a:bodyPr>
-          <a:lstStyle/>
-          <a:p>
-            <a:r>
-              <a:rPr lang="en-US" sz="1400" dirty="0">
-                <a:latin typeface="Myriad Pro" panose="020B0503030403020204" pitchFamily="34" charset="0"/>
-              </a:rPr>
-              <a:t>Valid Rules</a:t>
-            </a:r>
-          </a:p>
-        </p:txBody>
-      </p:sp>
-      <p:cxnSp>
-        <p:nvCxnSpPr>
-          <p:cNvPr id="23" name="Straight Arrow Connector 22">
-            <a:extLst>
-              <a:ext uri="{FF2B5EF4-FFF2-40B4-BE49-F238E27FC236}">
-                <a16:creationId xmlns:a16="http://schemas.microsoft.com/office/drawing/2014/main" id="{DD3EFBA3-26B4-3E4C-A7FB-BCC55E762339}"/>
-              </a:ext>
-            </a:extLst>
-          </p:cNvPr>
-          <p:cNvCxnSpPr>
-            <a:cxnSpLocks/>
-          </p:cNvCxnSpPr>
-          <p:nvPr/>
-        </p:nvCxnSpPr>
-        <p:spPr>
-          <a:xfrm flipV="1">
-            <a:off x="3722917" y="2656114"/>
-            <a:ext cx="1" cy="1155561"/>
-          </a:xfrm>
-          <a:prstGeom prst="straightConnector1">
-            <a:avLst/>
-          </a:prstGeom>
-          <a:ln w="76200">
-            <a:headEnd type="triangle" w="med" len="med"/>
-            <a:tailEnd type="none" w="med" len="med"/>
-          </a:ln>
-        </p:spPr>
-        <p:style>
-          <a:lnRef idx="1">
-            <a:schemeClr val="accent1"/>
-          </a:lnRef>
-          <a:fillRef idx="0">
-            <a:schemeClr val="accent1"/>
-          </a:fillRef>
-          <a:effectRef idx="0">
-            <a:schemeClr val="accent1"/>
-          </a:effectRef>
-          <a:fontRef idx="minor">
-            <a:schemeClr val="tx1"/>
-          </a:fontRef>
-        </p:style>
-      </p:cxnSp>
-      <p:sp>
-        <p:nvSpPr>
-          <p:cNvPr id="27" name="TextBox 26">
-            <a:extLst>
-              <a:ext uri="{FF2B5EF4-FFF2-40B4-BE49-F238E27FC236}">
-                <a16:creationId xmlns:a16="http://schemas.microsoft.com/office/drawing/2014/main" id="{9EB87A53-9080-4748-A5BA-81135B5891DF}"/>
-              </a:ext>
-            </a:extLst>
-          </p:cNvPr>
-          <p:cNvSpPr txBox="1"/>
-          <p:nvPr/>
-        </p:nvSpPr>
-        <p:spPr>
-          <a:xfrm>
-            <a:off x="2989828" y="2972284"/>
-            <a:ext cx="582211" cy="523220"/>
-          </a:xfrm>
-          <a:prstGeom prst="rect">
-            <a:avLst/>
-          </a:prstGeom>
-          <a:noFill/>
-        </p:spPr>
-        <p:txBody>
-          <a:bodyPr wrap="none" rtlCol="0">
-            <a:spAutoFit/>
-          </a:bodyPr>
-          <a:lstStyle/>
-          <a:p>
-            <a:r>
-              <a:rPr lang="en-US" sz="1400" dirty="0">
-                <a:latin typeface="Myriad Pro" panose="020B0503030403020204" pitchFamily="34" charset="0"/>
-              </a:rPr>
-              <a:t>Valid</a:t>
-            </a:r>
-          </a:p>
-          <a:p>
-            <a:r>
-              <a:rPr lang="en-US" sz="1400" dirty="0">
-                <a:latin typeface="Myriad Pro" panose="020B0503030403020204" pitchFamily="34" charset="0"/>
-              </a:rPr>
-              <a:t>Rules</a:t>
-            </a:r>
-          </a:p>
-        </p:txBody>
-      </p:sp>
-      <p:sp>
-        <p:nvSpPr>
-          <p:cNvPr id="28" name="TextBox 27">
-            <a:extLst>
-              <a:ext uri="{FF2B5EF4-FFF2-40B4-BE49-F238E27FC236}">
-                <a16:creationId xmlns:a16="http://schemas.microsoft.com/office/drawing/2014/main" id="{7B967012-58CB-304E-8A83-2D7BA470F073}"/>
-              </a:ext>
-            </a:extLst>
-          </p:cNvPr>
-          <p:cNvSpPr txBox="1"/>
-          <p:nvPr/>
-        </p:nvSpPr>
-        <p:spPr>
-          <a:xfrm>
-            <a:off x="4194364" y="3245749"/>
-            <a:ext cx="625492" cy="523220"/>
-          </a:xfrm>
-          <a:prstGeom prst="rect">
-            <a:avLst/>
-          </a:prstGeom>
-          <a:noFill/>
-        </p:spPr>
-        <p:txBody>
-          <a:bodyPr wrap="none" rtlCol="0">
-            <a:spAutoFit/>
-          </a:bodyPr>
-          <a:lstStyle/>
-          <a:p>
-            <a:r>
-              <a:rPr lang="en-US" sz="1400" dirty="0">
-                <a:latin typeface="Myriad Pro" panose="020B0503030403020204" pitchFamily="34" charset="0"/>
-              </a:rPr>
-              <a:t>Game</a:t>
-            </a:r>
-          </a:p>
-          <a:p>
-            <a:r>
-              <a:rPr lang="en-US" sz="1400" dirty="0">
-                <a:latin typeface="Myriad Pro" panose="020B0503030403020204" pitchFamily="34" charset="0"/>
-              </a:rPr>
-              <a:t>State</a:t>
-            </a:r>
-          </a:p>
-        </p:txBody>
-      </p:sp>
-      <p:sp>
-        <p:nvSpPr>
-          <p:cNvPr id="30" name="TextBox 29">
-            <a:extLst>
-              <a:ext uri="{FF2B5EF4-FFF2-40B4-BE49-F238E27FC236}">
-                <a16:creationId xmlns:a16="http://schemas.microsoft.com/office/drawing/2014/main" id="{4C6995AD-86B8-0343-976A-0E04764D20A1}"/>
-              </a:ext>
-            </a:extLst>
-          </p:cNvPr>
-          <p:cNvSpPr txBox="1"/>
-          <p:nvPr/>
-        </p:nvSpPr>
-        <p:spPr>
-          <a:xfrm>
-            <a:off x="4837442" y="4279665"/>
-            <a:ext cx="1146468" cy="307777"/>
-          </a:xfrm>
-          <a:prstGeom prst="rect">
-            <a:avLst/>
-          </a:prstGeom>
-          <a:noFill/>
-        </p:spPr>
-        <p:txBody>
-          <a:bodyPr wrap="none" rtlCol="0">
-            <a:spAutoFit/>
-          </a:bodyPr>
-          <a:lstStyle/>
-          <a:p>
-            <a:r>
-              <a:rPr lang="en-US" sz="1400" dirty="0">
-                <a:latin typeface="Myriad Pro" panose="020B0503030403020204" pitchFamily="34" charset="0"/>
-              </a:rPr>
-              <a:t>Player action</a:t>
-            </a:r>
-          </a:p>
-        </p:txBody>
-      </p:sp>
+          </p:spPr>
+          <p:style>
+            <a:lnRef idx="2">
+              <a:schemeClr val="accent1">
+                <a:shade val="50000"/>
+              </a:schemeClr>
+            </a:lnRef>
+            <a:fillRef idx="1">
+              <a:schemeClr val="accent1"/>
+            </a:fillRef>
+            <a:effectRef idx="0">
+              <a:schemeClr val="accent1"/>
+            </a:effectRef>
+            <a:fontRef idx="minor">
+              <a:schemeClr val="lt1"/>
+            </a:fontRef>
+          </p:style>
+          <p:txBody>
+            <a:bodyPr rtlCol="0" anchor="ctr"/>
+            <a:lstStyle/>
+            <a:p>
+              <a:pPr algn="ctr"/>
+              <a:r>
+                <a:rPr lang="en-US" sz="2200" b="1" dirty="0">
+                  <a:solidFill>
+                    <a:schemeClr val="tx1"/>
+                  </a:solidFill>
+                  <a:latin typeface="Myriad Pro" panose="020B0503030403020204" pitchFamily="34" charset="0"/>
+                </a:rPr>
+                <a:t>Game Engine</a:t>
+              </a:r>
+            </a:p>
+          </p:txBody>
+        </p:sp>
+        <p:sp>
+          <p:nvSpPr>
+            <p:cNvPr id="5" name="Rounded Rectangle 4">
+              <a:extLst>
+                <a:ext uri="{FF2B5EF4-FFF2-40B4-BE49-F238E27FC236}">
+                  <a16:creationId xmlns:a16="http://schemas.microsoft.com/office/drawing/2014/main" id="{5FD864B6-6939-C042-B263-1C54BDA98D9B}"/>
+                </a:ext>
+              </a:extLst>
+            </p:cNvPr>
+            <p:cNvSpPr/>
+            <p:nvPr/>
+          </p:nvSpPr>
+          <p:spPr>
+            <a:xfrm>
+              <a:off x="5347399" y="2656114"/>
+              <a:ext cx="1175657" cy="1155561"/>
+            </a:xfrm>
+            <a:prstGeom prst="roundRect">
+              <a:avLst/>
+            </a:prstGeom>
+            <a:solidFill>
+              <a:schemeClr val="accent4">
+                <a:lumMod val="60000"/>
+                <a:lumOff val="40000"/>
+              </a:schemeClr>
+            </a:solidFill>
+          </p:spPr>
+          <p:style>
+            <a:lnRef idx="2">
+              <a:schemeClr val="accent1">
+                <a:shade val="50000"/>
+              </a:schemeClr>
+            </a:lnRef>
+            <a:fillRef idx="1">
+              <a:schemeClr val="accent1"/>
+            </a:fillRef>
+            <a:effectRef idx="0">
+              <a:schemeClr val="accent1"/>
+            </a:effectRef>
+            <a:fontRef idx="minor">
+              <a:schemeClr val="lt1"/>
+            </a:fontRef>
+          </p:style>
+          <p:txBody>
+            <a:bodyPr rtlCol="0" anchor="ctr"/>
+            <a:lstStyle/>
+            <a:p>
+              <a:pPr algn="ctr"/>
+              <a:r>
+                <a:rPr lang="en-US" sz="2200" b="1" dirty="0">
+                  <a:solidFill>
+                    <a:schemeClr val="tx1"/>
+                  </a:solidFill>
+                  <a:latin typeface="Myriad Pro" panose="020B0503030403020204" pitchFamily="34" charset="0"/>
+                </a:rPr>
+                <a:t>Player Bot</a:t>
+              </a:r>
+            </a:p>
+          </p:txBody>
+        </p:sp>
+        <p:sp>
+          <p:nvSpPr>
+            <p:cNvPr id="6" name="Rounded Rectangle 5">
+              <a:extLst>
+                <a:ext uri="{FF2B5EF4-FFF2-40B4-BE49-F238E27FC236}">
+                  <a16:creationId xmlns:a16="http://schemas.microsoft.com/office/drawing/2014/main" id="{9EC1B4A9-BE0C-104A-AE9F-69ADD2541FA0}"/>
+                </a:ext>
+              </a:extLst>
+            </p:cNvPr>
+            <p:cNvSpPr/>
+            <p:nvPr/>
+          </p:nvSpPr>
+          <p:spPr>
+            <a:xfrm>
+              <a:off x="3235569" y="1500553"/>
+              <a:ext cx="1175657" cy="1155561"/>
+            </a:xfrm>
+            <a:prstGeom prst="roundRect">
+              <a:avLst/>
+            </a:prstGeom>
+            <a:solidFill>
+              <a:schemeClr val="accent2">
+                <a:lumMod val="60000"/>
+                <a:lumOff val="40000"/>
+              </a:schemeClr>
+            </a:solidFill>
+          </p:spPr>
+          <p:style>
+            <a:lnRef idx="2">
+              <a:schemeClr val="accent1">
+                <a:shade val="50000"/>
+              </a:schemeClr>
+            </a:lnRef>
+            <a:fillRef idx="1">
+              <a:schemeClr val="accent1"/>
+            </a:fillRef>
+            <a:effectRef idx="0">
+              <a:schemeClr val="accent1"/>
+            </a:effectRef>
+            <a:fontRef idx="minor">
+              <a:schemeClr val="lt1"/>
+            </a:fontRef>
+          </p:style>
+          <p:txBody>
+            <a:bodyPr rtlCol="0" anchor="ctr"/>
+            <a:lstStyle/>
+            <a:p>
+              <a:pPr algn="ctr"/>
+              <a:r>
+                <a:rPr lang="en-US" sz="2200" b="1" dirty="0">
+                  <a:solidFill>
+                    <a:schemeClr val="tx1"/>
+                  </a:solidFill>
+                  <a:latin typeface="Myriad Pro" panose="020B0503030403020204" pitchFamily="34" charset="0"/>
+                </a:rPr>
+                <a:t>Rules Engine</a:t>
+              </a:r>
+            </a:p>
+          </p:txBody>
+        </p:sp>
+        <p:cxnSp>
+          <p:nvCxnSpPr>
+            <p:cNvPr id="8" name="Straight Arrow Connector 7">
+              <a:extLst>
+                <a:ext uri="{FF2B5EF4-FFF2-40B4-BE49-F238E27FC236}">
+                  <a16:creationId xmlns:a16="http://schemas.microsoft.com/office/drawing/2014/main" id="{E774FC8C-61A2-D749-BB8E-29D201937A3A}"/>
+                </a:ext>
+              </a:extLst>
+            </p:cNvPr>
+            <p:cNvCxnSpPr>
+              <a:cxnSpLocks/>
+            </p:cNvCxnSpPr>
+            <p:nvPr/>
+          </p:nvCxnSpPr>
+          <p:spPr>
+            <a:xfrm flipV="1">
+              <a:off x="3923877" y="2656114"/>
+              <a:ext cx="1" cy="1155561"/>
+            </a:xfrm>
+            <a:prstGeom prst="straightConnector1">
+              <a:avLst/>
+            </a:prstGeom>
+            <a:ln w="76200">
+              <a:headEnd type="none" w="med" len="med"/>
+              <a:tailEnd type="triangle" w="med" len="med"/>
+            </a:ln>
+          </p:spPr>
+          <p:style>
+            <a:lnRef idx="1">
+              <a:schemeClr val="accent1"/>
+            </a:lnRef>
+            <a:fillRef idx="0">
+              <a:schemeClr val="accent1"/>
+            </a:fillRef>
+            <a:effectRef idx="0">
+              <a:schemeClr val="accent1"/>
+            </a:effectRef>
+            <a:fontRef idx="minor">
+              <a:schemeClr val="tx1"/>
+            </a:fontRef>
+          </p:style>
+        </p:cxnSp>
+        <p:cxnSp>
+          <p:nvCxnSpPr>
+            <p:cNvPr id="11" name="Straight Arrow Connector 10">
+              <a:extLst>
+                <a:ext uri="{FF2B5EF4-FFF2-40B4-BE49-F238E27FC236}">
+                  <a16:creationId xmlns:a16="http://schemas.microsoft.com/office/drawing/2014/main" id="{CE9073F8-ADC0-D542-B88A-1C8121B8A96C}"/>
+                </a:ext>
+              </a:extLst>
+            </p:cNvPr>
+            <p:cNvCxnSpPr>
+              <a:cxnSpLocks/>
+            </p:cNvCxnSpPr>
+            <p:nvPr/>
+          </p:nvCxnSpPr>
+          <p:spPr>
+            <a:xfrm flipV="1">
+              <a:off x="4411225" y="3644207"/>
+              <a:ext cx="936174" cy="620487"/>
+            </a:xfrm>
+            <a:prstGeom prst="straightConnector1">
+              <a:avLst/>
+            </a:prstGeom>
+            <a:ln w="76200">
+              <a:headEnd type="none" w="med" len="med"/>
+              <a:tailEnd type="triangle" w="med" len="med"/>
+            </a:ln>
+          </p:spPr>
+          <p:style>
+            <a:lnRef idx="1">
+              <a:schemeClr val="accent1"/>
+            </a:lnRef>
+            <a:fillRef idx="0">
+              <a:schemeClr val="accent1"/>
+            </a:fillRef>
+            <a:effectRef idx="0">
+              <a:schemeClr val="accent1"/>
+            </a:effectRef>
+            <a:fontRef idx="minor">
+              <a:schemeClr val="tx1"/>
+            </a:fontRef>
+          </p:style>
+        </p:cxnSp>
+        <p:cxnSp>
+          <p:nvCxnSpPr>
+            <p:cNvPr id="16" name="Straight Arrow Connector 15">
+              <a:extLst>
+                <a:ext uri="{FF2B5EF4-FFF2-40B4-BE49-F238E27FC236}">
+                  <a16:creationId xmlns:a16="http://schemas.microsoft.com/office/drawing/2014/main" id="{DD42E8BA-6B5A-534A-99F1-863C7E286598}"/>
+                </a:ext>
+              </a:extLst>
+            </p:cNvPr>
+            <p:cNvCxnSpPr>
+              <a:cxnSpLocks/>
+              <a:stCxn id="6" idx="3"/>
+            </p:cNvCxnSpPr>
+            <p:nvPr/>
+          </p:nvCxnSpPr>
+          <p:spPr>
+            <a:xfrm>
+              <a:off x="4411226" y="2078334"/>
+              <a:ext cx="936173" cy="620486"/>
+            </a:xfrm>
+            <a:prstGeom prst="straightConnector1">
+              <a:avLst/>
+            </a:prstGeom>
+            <a:ln w="76200">
+              <a:headEnd type="none" w="med" len="med"/>
+              <a:tailEnd type="triangle" w="med" len="med"/>
+            </a:ln>
+          </p:spPr>
+          <p:style>
+            <a:lnRef idx="1">
+              <a:schemeClr val="accent1"/>
+            </a:lnRef>
+            <a:fillRef idx="0">
+              <a:schemeClr val="accent1"/>
+            </a:fillRef>
+            <a:effectRef idx="0">
+              <a:schemeClr val="accent1"/>
+            </a:effectRef>
+            <a:fontRef idx="minor">
+              <a:schemeClr val="tx1"/>
+            </a:fontRef>
+          </p:style>
+        </p:cxnSp>
+        <p:cxnSp>
+          <p:nvCxnSpPr>
+            <p:cNvPr id="20" name="Straight Arrow Connector 19">
+              <a:extLst>
+                <a:ext uri="{FF2B5EF4-FFF2-40B4-BE49-F238E27FC236}">
+                  <a16:creationId xmlns:a16="http://schemas.microsoft.com/office/drawing/2014/main" id="{07FE5A4F-F21B-1C4B-B8C5-5A17B78021D5}"/>
+                </a:ext>
+              </a:extLst>
+            </p:cNvPr>
+            <p:cNvCxnSpPr>
+              <a:cxnSpLocks/>
+            </p:cNvCxnSpPr>
+            <p:nvPr/>
+          </p:nvCxnSpPr>
+          <p:spPr>
+            <a:xfrm flipV="1">
+              <a:off x="4391964" y="3889544"/>
+              <a:ext cx="936174" cy="620487"/>
+            </a:xfrm>
+            <a:prstGeom prst="straightConnector1">
+              <a:avLst/>
+            </a:prstGeom>
+            <a:ln w="76200">
+              <a:solidFill>
+                <a:schemeClr val="accent1"/>
+              </a:solidFill>
+              <a:headEnd type="triangle" w="med" len="med"/>
+              <a:tailEnd type="none" w="med" len="med"/>
+            </a:ln>
+          </p:spPr>
+          <p:style>
+            <a:lnRef idx="1">
+              <a:schemeClr val="accent1"/>
+            </a:lnRef>
+            <a:fillRef idx="0">
+              <a:schemeClr val="accent1"/>
+            </a:fillRef>
+            <a:effectRef idx="0">
+              <a:schemeClr val="accent1"/>
+            </a:effectRef>
+            <a:fontRef idx="minor">
+              <a:schemeClr val="tx1"/>
+            </a:fontRef>
+          </p:style>
+        </p:cxnSp>
+        <p:sp>
+          <p:nvSpPr>
+            <p:cNvPr id="21" name="TextBox 20">
+              <a:extLst>
+                <a:ext uri="{FF2B5EF4-FFF2-40B4-BE49-F238E27FC236}">
+                  <a16:creationId xmlns:a16="http://schemas.microsoft.com/office/drawing/2014/main" id="{806D4C88-5EA8-CC46-AEDF-4487269E2552}"/>
+                </a:ext>
+              </a:extLst>
+            </p:cNvPr>
+            <p:cNvSpPr txBox="1"/>
+            <p:nvPr/>
+          </p:nvSpPr>
+          <p:spPr>
+            <a:xfrm>
+              <a:off x="4735693" y="1977402"/>
+              <a:ext cx="990977" cy="307777"/>
+            </a:xfrm>
+            <a:prstGeom prst="rect">
+              <a:avLst/>
+            </a:prstGeom>
+            <a:noFill/>
+          </p:spPr>
+          <p:txBody>
+            <a:bodyPr wrap="none" rtlCol="0">
+              <a:spAutoFit/>
+            </a:bodyPr>
+            <a:lstStyle/>
+            <a:p>
+              <a:r>
+                <a:rPr lang="en-US" sz="1400" dirty="0">
+                  <a:latin typeface="Myriad Pro" panose="020B0503030403020204" pitchFamily="34" charset="0"/>
+                </a:rPr>
+                <a:t>Valid Rules</a:t>
+              </a:r>
+            </a:p>
+          </p:txBody>
+        </p:sp>
+        <p:cxnSp>
+          <p:nvCxnSpPr>
+            <p:cNvPr id="23" name="Straight Arrow Connector 22">
+              <a:extLst>
+                <a:ext uri="{FF2B5EF4-FFF2-40B4-BE49-F238E27FC236}">
+                  <a16:creationId xmlns:a16="http://schemas.microsoft.com/office/drawing/2014/main" id="{DD3EFBA3-26B4-3E4C-A7FB-BCC55E762339}"/>
+                </a:ext>
+              </a:extLst>
+            </p:cNvPr>
+            <p:cNvCxnSpPr>
+              <a:cxnSpLocks/>
+            </p:cNvCxnSpPr>
+            <p:nvPr/>
+          </p:nvCxnSpPr>
+          <p:spPr>
+            <a:xfrm flipV="1">
+              <a:off x="3722917" y="2656114"/>
+              <a:ext cx="1" cy="1155561"/>
+            </a:xfrm>
+            <a:prstGeom prst="straightConnector1">
+              <a:avLst/>
+            </a:prstGeom>
+            <a:ln w="76200">
+              <a:headEnd type="triangle" w="med" len="med"/>
+              <a:tailEnd type="none" w="med" len="med"/>
+            </a:ln>
+          </p:spPr>
+          <p:style>
+            <a:lnRef idx="1">
+              <a:schemeClr val="accent1"/>
+            </a:lnRef>
+            <a:fillRef idx="0">
+              <a:schemeClr val="accent1"/>
+            </a:fillRef>
+            <a:effectRef idx="0">
+              <a:schemeClr val="accent1"/>
+            </a:effectRef>
+            <a:fontRef idx="minor">
+              <a:schemeClr val="tx1"/>
+            </a:fontRef>
+          </p:style>
+        </p:cxnSp>
+        <p:sp>
+          <p:nvSpPr>
+            <p:cNvPr id="27" name="TextBox 26">
+              <a:extLst>
+                <a:ext uri="{FF2B5EF4-FFF2-40B4-BE49-F238E27FC236}">
+                  <a16:creationId xmlns:a16="http://schemas.microsoft.com/office/drawing/2014/main" id="{9EB87A53-9080-4748-A5BA-81135B5891DF}"/>
+                </a:ext>
+              </a:extLst>
+            </p:cNvPr>
+            <p:cNvSpPr txBox="1"/>
+            <p:nvPr/>
+          </p:nvSpPr>
+          <p:spPr>
+            <a:xfrm>
+              <a:off x="2989828" y="2972284"/>
+              <a:ext cx="582211" cy="523220"/>
+            </a:xfrm>
+            <a:prstGeom prst="rect">
+              <a:avLst/>
+            </a:prstGeom>
+            <a:noFill/>
+          </p:spPr>
+          <p:txBody>
+            <a:bodyPr wrap="none" rtlCol="0">
+              <a:spAutoFit/>
+            </a:bodyPr>
+            <a:lstStyle/>
+            <a:p>
+              <a:r>
+                <a:rPr lang="en-US" sz="1400" dirty="0">
+                  <a:latin typeface="Myriad Pro" panose="020B0503030403020204" pitchFamily="34" charset="0"/>
+                </a:rPr>
+                <a:t>Valid</a:t>
+              </a:r>
+            </a:p>
+            <a:p>
+              <a:r>
+                <a:rPr lang="en-US" sz="1400" dirty="0">
+                  <a:latin typeface="Myriad Pro" panose="020B0503030403020204" pitchFamily="34" charset="0"/>
+                </a:rPr>
+                <a:t>Rules</a:t>
+              </a:r>
+            </a:p>
+          </p:txBody>
+        </p:sp>
+        <p:sp>
+          <p:nvSpPr>
+            <p:cNvPr id="28" name="TextBox 27">
+              <a:extLst>
+                <a:ext uri="{FF2B5EF4-FFF2-40B4-BE49-F238E27FC236}">
+                  <a16:creationId xmlns:a16="http://schemas.microsoft.com/office/drawing/2014/main" id="{7B967012-58CB-304E-8A83-2D7BA470F073}"/>
+                </a:ext>
+              </a:extLst>
+            </p:cNvPr>
+            <p:cNvSpPr txBox="1"/>
+            <p:nvPr/>
+          </p:nvSpPr>
+          <p:spPr>
+            <a:xfrm>
+              <a:off x="4194364" y="3245749"/>
+              <a:ext cx="625492" cy="523220"/>
+            </a:xfrm>
+            <a:prstGeom prst="rect">
+              <a:avLst/>
+            </a:prstGeom>
+            <a:noFill/>
+          </p:spPr>
+          <p:txBody>
+            <a:bodyPr wrap="none" rtlCol="0">
+              <a:spAutoFit/>
+            </a:bodyPr>
+            <a:lstStyle/>
+            <a:p>
+              <a:r>
+                <a:rPr lang="en-US" sz="1400" dirty="0">
+                  <a:latin typeface="Myriad Pro" panose="020B0503030403020204" pitchFamily="34" charset="0"/>
+                </a:rPr>
+                <a:t>Game</a:t>
+              </a:r>
+            </a:p>
+            <a:p>
+              <a:r>
+                <a:rPr lang="en-US" sz="1400" dirty="0">
+                  <a:latin typeface="Myriad Pro" panose="020B0503030403020204" pitchFamily="34" charset="0"/>
+                </a:rPr>
+                <a:t>State</a:t>
+              </a:r>
+            </a:p>
+          </p:txBody>
+        </p:sp>
+        <p:sp>
+          <p:nvSpPr>
+            <p:cNvPr id="30" name="TextBox 29">
+              <a:extLst>
+                <a:ext uri="{FF2B5EF4-FFF2-40B4-BE49-F238E27FC236}">
+                  <a16:creationId xmlns:a16="http://schemas.microsoft.com/office/drawing/2014/main" id="{4C6995AD-86B8-0343-976A-0E04764D20A1}"/>
+                </a:ext>
+              </a:extLst>
+            </p:cNvPr>
+            <p:cNvSpPr txBox="1"/>
+            <p:nvPr/>
+          </p:nvSpPr>
+          <p:spPr>
+            <a:xfrm>
+              <a:off x="4837442" y="4279665"/>
+              <a:ext cx="1146468" cy="307777"/>
+            </a:xfrm>
+            <a:prstGeom prst="rect">
+              <a:avLst/>
+            </a:prstGeom>
+            <a:noFill/>
+          </p:spPr>
+          <p:txBody>
+            <a:bodyPr wrap="none" rtlCol="0">
+              <a:spAutoFit/>
+            </a:bodyPr>
+            <a:lstStyle/>
+            <a:p>
+              <a:r>
+                <a:rPr lang="en-US" sz="1400" dirty="0">
+                  <a:latin typeface="Myriad Pro" panose="020B0503030403020204" pitchFamily="34" charset="0"/>
+                </a:rPr>
+                <a:t>Player action</a:t>
+              </a:r>
+            </a:p>
+          </p:txBody>
+        </p:sp>
+      </p:grpSp>
     </p:spTree>
     <p:extLst>
       <p:ext uri="{BB962C8B-B14F-4D97-AF65-F5344CB8AC3E}">
